--- a/2017211308-2017211404-杨展齐.pptx
+++ b/2017211308-2017211404-杨展齐.pptx
@@ -107,6 +107,11 @@
       </a:defRPr>
     </a:lvl9pPr>
   </p:defaultTextStyle>
+  <p:extLst>
+    <p:ext uri="{EFAFB233-063F-42B5-8137-9DF3F51BA10A}">
+      <p15:sldGuideLst xmlns:p15="http://schemas.microsoft.com/office/powerpoint/2012/main"/>
+    </p:ext>
+  </p:extLst>
 </p:presentation>
 </file>
 
@@ -3058,13 +3063,38 @@
             </a:r>
             <a:r>
               <a:rPr lang="en-US" altLang="zh-CN" dirty="0" smtClean="0"/>
-              <a:t>2017211404</a:t>
-            </a:r>
-          </a:p>
-          <a:p>
+              <a:t>2017211404 </a:t>
+            </a:r>
             <a:r>
               <a:rPr lang="zh-CN" altLang="en-US" dirty="0" smtClean="0"/>
-              <a:t>姓名 杨展齐</a:t>
+              <a:t>姓名 </a:t>
+            </a:r>
+            <a:r>
+              <a:rPr lang="zh-CN" altLang="en-US" dirty="0" smtClean="0"/>
+              <a:t>杨展</a:t>
+            </a:r>
+            <a:r>
+              <a:rPr lang="zh-CN" altLang="en-US" dirty="0" smtClean="0"/>
+              <a:t>齐</a:t>
+            </a:r>
+            <a:endParaRPr lang="en-US" altLang="zh-CN" dirty="0" smtClean="0"/>
+          </a:p>
+          <a:p>
+            <a:r>
+              <a:rPr lang="zh-CN" altLang="en-US" dirty="0"/>
+              <a:t>学</a:t>
+            </a:r>
+            <a:r>
+              <a:rPr lang="zh-CN" altLang="en-US" dirty="0" smtClean="0"/>
+              <a:t>号 </a:t>
+            </a:r>
+            <a:r>
+              <a:rPr lang="en-US" altLang="zh-CN" dirty="0" smtClean="0"/>
+              <a:t>2017211371 </a:t>
+            </a:r>
+            <a:r>
+              <a:rPr lang="zh-CN" altLang="en-US" dirty="0" smtClean="0"/>
+              <a:t>姓名 蒙鑫</a:t>
             </a:r>
             <a:endParaRPr lang="zh-CN" altLang="en-US" dirty="0"/>
           </a:p>
@@ -3139,8 +3169,53 @@
           <a:lstStyle/>
           <a:p>
             <a:r>
+              <a:rPr lang="zh-CN" altLang="en-US" dirty="0"/>
+              <a:t>杨展</a:t>
+            </a:r>
+            <a:r>
               <a:rPr lang="zh-CN" altLang="en-US" dirty="0" smtClean="0"/>
-              <a:t>一人完成，无分工</a:t>
+              <a:t>齐：适配器的编写，网络请求的编写</a:t>
+            </a:r>
+            <a:r>
+              <a:rPr lang="en-GB" altLang="zh-CN" dirty="0" smtClean="0"/>
+              <a:t>(</a:t>
+            </a:r>
+            <a:r>
+              <a:rPr lang="en-GB" altLang="zh-CN" dirty="0" err="1"/>
+              <a:t>MyAdapter</a:t>
+            </a:r>
+            <a:r>
+              <a:rPr lang="en-GB" altLang="zh-CN" dirty="0" err="1" smtClean="0"/>
+              <a:t>,ApiService,InfoResponse</a:t>
+            </a:r>
+            <a:r>
+              <a:rPr lang="en-GB" altLang="zh-CN" dirty="0" smtClean="0"/>
+              <a:t>)</a:t>
+            </a:r>
+            <a:endParaRPr lang="en-US" altLang="zh-CN" dirty="0" smtClean="0"/>
+          </a:p>
+          <a:p>
+            <a:r>
+              <a:rPr lang="zh-CN" altLang="en-US" dirty="0" smtClean="0"/>
+              <a:t>蒙鑫：程序显示视图的编写</a:t>
+            </a:r>
+            <a:endParaRPr lang="en-GB" altLang="zh-CN" dirty="0" smtClean="0"/>
+          </a:p>
+          <a:p>
+            <a:pPr marL="0" indent="0">
+              <a:buNone/>
+            </a:pPr>
+            <a:r>
+              <a:rPr lang="en-GB" altLang="zh-CN" dirty="0" smtClean="0"/>
+              <a:t>   (</a:t>
+            </a:r>
+            <a:r>
+              <a:rPr lang="en-GB" altLang="zh-CN" dirty="0" err="1" smtClean="0"/>
+              <a:t>MainActivity,VideoActivity</a:t>
+            </a:r>
+            <a:r>
+              <a:rPr lang="en-GB" altLang="zh-CN" dirty="0" smtClean="0"/>
+              <a:t>)</a:t>
             </a:r>
             <a:endParaRPr lang="zh-CN" altLang="en-US" dirty="0"/>
           </a:p>
@@ -3379,7 +3454,11 @@
           <a:p>
             <a:r>
               <a:rPr lang="zh-CN" altLang="en-US" dirty="0" smtClean="0"/>
-              <a:t>解决方法</a:t>
+              <a:t>解决</a:t>
+            </a:r>
+            <a:r>
+              <a:rPr lang="zh-CN" altLang="en-US" dirty="0" smtClean="0"/>
+              <a:t>方法：</a:t>
             </a:r>
             <a:endParaRPr lang="en-US" altLang="zh-CN" dirty="0" smtClean="0"/>
           </a:p>
@@ -3421,7 +3500,7 @@
               <a:t>方法</a:t>
             </a:r>
             <a:r>
-              <a:rPr lang="zh-CN" altLang="en-US" smtClean="0"/>
+              <a:rPr lang="zh-CN" altLang="en-US" dirty="0" smtClean="0"/>
               <a:t>获取视频时间。</a:t>
             </a:r>
             <a:endParaRPr lang="zh-CN" altLang="en-US" dirty="0"/>
